--- a/RADIO ROCK.pptx
+++ b/RADIO ROCK.pptx
@@ -21,7 +21,6 @@
     <p:sldId id="272" r:id="rId15"/>
     <p:sldId id="273" r:id="rId16"/>
     <p:sldId id="274" r:id="rId17"/>
-    <p:sldId id="262" r:id="rId18"/>
   </p:sldIdLst>
   <p:sldSz cx="18288000" cy="10287000"/>
   <p:notesSz cx="18288000" cy="10287000"/>
@@ -20122,1876 +20121,6 @@
   <p:clrMapOvr>
     <a:masterClrMapping/>
   </p:clrMapOvr>
-</p:sld>
-</file>
-
-<file path=ppt/slides/slide17.xml><?xml version="1.0" encoding="utf-8"?>
-<p:sld xmlns:a="http://schemas.openxmlformats.org/drawingml/2006/main" xmlns:r="http://schemas.openxmlformats.org/officeDocument/2006/relationships" xmlns:p="http://schemas.openxmlformats.org/presentationml/2006/main">
-  <p:cSld>
-    <p:spTree>
-      <p:nvGrpSpPr>
-        <p:cNvPr id="1" name=""/>
-        <p:cNvGrpSpPr/>
-        <p:nvPr/>
-      </p:nvGrpSpPr>
-      <p:grpSpPr>
-        <a:xfrm>
-          <a:off x="0" y="0"/>
-          <a:ext cx="0" cy="0"/>
-          <a:chOff x="0" y="0"/>
-          <a:chExt cx="0" cy="0"/>
-        </a:xfrm>
-      </p:grpSpPr>
-      <p:sp>
-        <p:nvSpPr>
-          <p:cNvPr id="2" name="object 2"/>
-          <p:cNvSpPr txBox="1">
-            <a:spLocks noGrp="1"/>
-          </p:cNvSpPr>
-          <p:nvPr>
-            <p:ph type="title"/>
-          </p:nvPr>
-        </p:nvSpPr>
-        <p:spPr>
-          <a:xfrm>
-            <a:off x="6187281" y="1521250"/>
-            <a:ext cx="5999227" cy="779780"/>
-          </a:xfrm>
-          <a:prstGeom prst="rect">
-            <a:avLst/>
-          </a:prstGeom>
-        </p:spPr>
-        <p:txBody>
-          <a:bodyPr vert="horz" wrap="square" lIns="0" tIns="12065" rIns="0" bIns="0" rtlCol="0">
-            <a:spAutoFit/>
-          </a:bodyPr>
-          <a:lstStyle/>
-          <a:p>
-            <a:pPr marL="12700">
-              <a:lnSpc>
-                <a:spcPct val="100000"/>
-              </a:lnSpc>
-              <a:spcBef>
-                <a:spcPts val="95"/>
-              </a:spcBef>
-              <a:tabLst>
-                <a:tab pos="4819650" algn="l"/>
-              </a:tabLst>
-            </a:pPr>
-            <a:r>
-              <a:rPr lang="ru-RU" spc="-5" dirty="0" smtClean="0"/>
-              <a:t>СВЯЖИТЕСЬ С НАМИ</a:t>
-            </a:r>
-            <a:endParaRPr spc="-5" dirty="0"/>
-          </a:p>
-        </p:txBody>
-      </p:sp>
-      <p:sp>
-        <p:nvSpPr>
-          <p:cNvPr id="3" name="object 3"/>
-          <p:cNvSpPr txBox="1"/>
-          <p:nvPr/>
-        </p:nvSpPr>
-        <p:spPr>
-          <a:xfrm>
-            <a:off x="4419600" y="3038360"/>
-            <a:ext cx="9534590" cy="519430"/>
-          </a:xfrm>
-          <a:prstGeom prst="rect">
-            <a:avLst/>
-          </a:prstGeom>
-        </p:spPr>
-        <p:txBody>
-          <a:bodyPr vert="horz" wrap="square" lIns="0" tIns="11430" rIns="0" bIns="0" rtlCol="0">
-            <a:spAutoFit/>
-          </a:bodyPr>
-          <a:lstStyle/>
-          <a:p>
-            <a:pPr marL="12700">
-              <a:lnSpc>
-                <a:spcPct val="100000"/>
-              </a:lnSpc>
-              <a:spcBef>
-                <a:spcPts val="90"/>
-              </a:spcBef>
-              <a:tabLst>
-                <a:tab pos="1003300" algn="l"/>
-                <a:tab pos="2921000" algn="l"/>
-                <a:tab pos="4457065" algn="l"/>
-                <a:tab pos="7404734" algn="l"/>
-                <a:tab pos="9036050" algn="l"/>
-              </a:tabLst>
-            </a:pPr>
-            <a:r>
-              <a:rPr lang="ru-RU" sz="3250" spc="-10" dirty="0" smtClean="0">
-                <a:solidFill>
-                  <a:srgbClr val="EBE6E0"/>
-                </a:solidFill>
-                <a:latin typeface="Sylfaen"/>
-                <a:cs typeface="Sylfaen"/>
-              </a:rPr>
-              <a:t>МЫ БУДЕМ РАДЫ УСЛЫШАТЬ ВАШИ ОТЗЫВЫ!</a:t>
-            </a:r>
-            <a:endParaRPr sz="3250" dirty="0">
-              <a:latin typeface="Sylfaen"/>
-              <a:cs typeface="Sylfaen"/>
-            </a:endParaRPr>
-          </a:p>
-        </p:txBody>
-      </p:sp>
-      <p:sp>
-        <p:nvSpPr>
-          <p:cNvPr id="4" name="object 4"/>
-          <p:cNvSpPr txBox="1"/>
-          <p:nvPr/>
-        </p:nvSpPr>
-        <p:spPr>
-          <a:xfrm>
-            <a:off x="11923268" y="4966461"/>
-            <a:ext cx="1254125" cy="421005"/>
-          </a:xfrm>
-          <a:prstGeom prst="rect">
-            <a:avLst/>
-          </a:prstGeom>
-        </p:spPr>
-        <p:txBody>
-          <a:bodyPr vert="horz" wrap="square" lIns="0" tIns="11430" rIns="0" bIns="0" rtlCol="0">
-            <a:spAutoFit/>
-          </a:bodyPr>
-          <a:lstStyle/>
-          <a:p>
-            <a:pPr marL="12700">
-              <a:lnSpc>
-                <a:spcPct val="100000"/>
-              </a:lnSpc>
-              <a:spcBef>
-                <a:spcPts val="90"/>
-              </a:spcBef>
-            </a:pPr>
-            <a:r>
-              <a:rPr sz="2600" spc="165" dirty="0">
-                <a:solidFill>
-                  <a:srgbClr val="EBE6E0"/>
-                </a:solidFill>
-                <a:latin typeface="Arial"/>
-                <a:cs typeface="Arial"/>
-              </a:rPr>
-              <a:t>Россия</a:t>
-            </a:r>
-            <a:endParaRPr sz="2600">
-              <a:latin typeface="Arial"/>
-              <a:cs typeface="Arial"/>
-            </a:endParaRPr>
-          </a:p>
-        </p:txBody>
-      </p:sp>
-      <p:sp>
-        <p:nvSpPr>
-          <p:cNvPr id="5" name="object 5"/>
-          <p:cNvSpPr txBox="1"/>
-          <p:nvPr/>
-        </p:nvSpPr>
-        <p:spPr>
-          <a:xfrm>
-            <a:off x="5051805" y="4252671"/>
-            <a:ext cx="6764020" cy="4213860"/>
-          </a:xfrm>
-          <a:prstGeom prst="rect">
-            <a:avLst/>
-          </a:prstGeom>
-        </p:spPr>
-        <p:txBody>
-          <a:bodyPr vert="horz" wrap="square" lIns="0" tIns="12700" rIns="0" bIns="0" rtlCol="0">
-            <a:spAutoFit/>
-          </a:bodyPr>
-          <a:lstStyle/>
-          <a:p>
-            <a:pPr marL="1377315" algn="ctr">
-              <a:lnSpc>
-                <a:spcPct val="100000"/>
-              </a:lnSpc>
-              <a:spcBef>
-                <a:spcPts val="100"/>
-              </a:spcBef>
-              <a:tabLst>
-                <a:tab pos="4352925" algn="l"/>
-              </a:tabLst>
-            </a:pPr>
-            <a:r>
-              <a:rPr sz="3000" dirty="0">
-                <a:solidFill>
-                  <a:srgbClr val="FF4839"/>
-                </a:solidFill>
-                <a:latin typeface="Arial"/>
-                <a:cs typeface="Arial"/>
-              </a:rPr>
-              <a:t>П</a:t>
-            </a:r>
-            <a:r>
-              <a:rPr sz="3000" spc="-280" dirty="0">
-                <a:solidFill>
-                  <a:srgbClr val="FF4839"/>
-                </a:solidFill>
-                <a:latin typeface="Arial"/>
-                <a:cs typeface="Arial"/>
-              </a:rPr>
-              <a:t> </a:t>
-            </a:r>
-            <a:r>
-              <a:rPr sz="3000" dirty="0">
-                <a:solidFill>
-                  <a:srgbClr val="FF4839"/>
-                </a:solidFill>
-                <a:latin typeface="Arial"/>
-                <a:cs typeface="Arial"/>
-              </a:rPr>
-              <a:t>О</a:t>
-            </a:r>
-            <a:r>
-              <a:rPr sz="3000" spc="-360" dirty="0">
-                <a:solidFill>
-                  <a:srgbClr val="FF4839"/>
-                </a:solidFill>
-                <a:latin typeface="Arial"/>
-                <a:cs typeface="Arial"/>
-              </a:rPr>
-              <a:t> </a:t>
-            </a:r>
-            <a:r>
-              <a:rPr sz="3000" dirty="0">
-                <a:solidFill>
-                  <a:srgbClr val="FF4839"/>
-                </a:solidFill>
-                <a:latin typeface="Arial"/>
-                <a:cs typeface="Arial"/>
-              </a:rPr>
-              <a:t>Ч</a:t>
-            </a:r>
-            <a:r>
-              <a:rPr sz="3000" spc="-295" dirty="0">
-                <a:solidFill>
-                  <a:srgbClr val="FF4839"/>
-                </a:solidFill>
-                <a:latin typeface="Arial"/>
-                <a:cs typeface="Arial"/>
-              </a:rPr>
-              <a:t> </a:t>
-            </a:r>
-            <a:r>
-              <a:rPr sz="3000" dirty="0">
-                <a:solidFill>
-                  <a:srgbClr val="FF4839"/>
-                </a:solidFill>
-                <a:latin typeface="Arial"/>
-                <a:cs typeface="Arial"/>
-              </a:rPr>
-              <a:t>Т</a:t>
-            </a:r>
-            <a:r>
-              <a:rPr sz="3000" spc="-434" dirty="0">
-                <a:solidFill>
-                  <a:srgbClr val="FF4839"/>
-                </a:solidFill>
-                <a:latin typeface="Arial"/>
-                <a:cs typeface="Arial"/>
-              </a:rPr>
-              <a:t> </a:t>
-            </a:r>
-            <a:r>
-              <a:rPr sz="3000" dirty="0">
-                <a:solidFill>
-                  <a:srgbClr val="FF4839"/>
-                </a:solidFill>
-                <a:latin typeface="Arial"/>
-                <a:cs typeface="Arial"/>
-              </a:rPr>
-              <a:t>О</a:t>
-            </a:r>
-            <a:r>
-              <a:rPr sz="3000" spc="-290" dirty="0">
-                <a:solidFill>
-                  <a:srgbClr val="FF4839"/>
-                </a:solidFill>
-                <a:latin typeface="Arial"/>
-                <a:cs typeface="Arial"/>
-              </a:rPr>
-              <a:t> </a:t>
-            </a:r>
-            <a:r>
-              <a:rPr sz="3000" dirty="0">
-                <a:solidFill>
-                  <a:srgbClr val="FF4839"/>
-                </a:solidFill>
-                <a:latin typeface="Arial"/>
-                <a:cs typeface="Arial"/>
-              </a:rPr>
-              <a:t>В</a:t>
-            </a:r>
-            <a:r>
-              <a:rPr sz="3000" spc="-295" dirty="0">
-                <a:solidFill>
-                  <a:srgbClr val="FF4839"/>
-                </a:solidFill>
-                <a:latin typeface="Arial"/>
-                <a:cs typeface="Arial"/>
-              </a:rPr>
-              <a:t> </a:t>
-            </a:r>
-            <a:r>
-              <a:rPr sz="3000" dirty="0">
-                <a:solidFill>
-                  <a:srgbClr val="FF4839"/>
-                </a:solidFill>
-                <a:latin typeface="Arial"/>
-                <a:cs typeface="Arial"/>
-              </a:rPr>
-              <a:t>Ы</a:t>
-            </a:r>
-            <a:r>
-              <a:rPr sz="3000" spc="-300" dirty="0">
-                <a:solidFill>
-                  <a:srgbClr val="FF4839"/>
-                </a:solidFill>
-                <a:latin typeface="Arial"/>
-                <a:cs typeface="Arial"/>
-              </a:rPr>
-              <a:t> </a:t>
-            </a:r>
-            <a:r>
-              <a:rPr sz="3000" dirty="0">
-                <a:solidFill>
-                  <a:srgbClr val="FF4839"/>
-                </a:solidFill>
-                <a:latin typeface="Arial"/>
-                <a:cs typeface="Arial"/>
-              </a:rPr>
-              <a:t>Й	А</a:t>
-            </a:r>
-            <a:r>
-              <a:rPr sz="3000" spc="-350" dirty="0">
-                <a:solidFill>
-                  <a:srgbClr val="FF4839"/>
-                </a:solidFill>
-                <a:latin typeface="Arial"/>
-                <a:cs typeface="Arial"/>
-              </a:rPr>
-              <a:t> </a:t>
-            </a:r>
-            <a:r>
-              <a:rPr sz="3000" dirty="0">
-                <a:solidFill>
-                  <a:srgbClr val="FF4839"/>
-                </a:solidFill>
-                <a:latin typeface="Arial"/>
-                <a:cs typeface="Arial"/>
-              </a:rPr>
-              <a:t>Д</a:t>
-            </a:r>
-            <a:r>
-              <a:rPr sz="3000" spc="-455" dirty="0">
-                <a:solidFill>
-                  <a:srgbClr val="FF4839"/>
-                </a:solidFill>
-                <a:latin typeface="Arial"/>
-                <a:cs typeface="Arial"/>
-              </a:rPr>
-              <a:t> </a:t>
-            </a:r>
-            <a:r>
-              <a:rPr sz="3000" dirty="0">
-                <a:solidFill>
-                  <a:srgbClr val="FF4839"/>
-                </a:solidFill>
-                <a:latin typeface="Arial"/>
-                <a:cs typeface="Arial"/>
-              </a:rPr>
-              <a:t>Р</a:t>
-            </a:r>
-            <a:r>
-              <a:rPr sz="3000" spc="-445" dirty="0">
-                <a:solidFill>
-                  <a:srgbClr val="FF4839"/>
-                </a:solidFill>
-                <a:latin typeface="Arial"/>
-                <a:cs typeface="Arial"/>
-              </a:rPr>
-              <a:t> </a:t>
-            </a:r>
-            <a:r>
-              <a:rPr sz="3000" spc="185" dirty="0">
-                <a:solidFill>
-                  <a:srgbClr val="FF4839"/>
-                </a:solidFill>
-                <a:latin typeface="Arial"/>
-                <a:cs typeface="Arial"/>
-              </a:rPr>
-              <a:t>ЕС</a:t>
-            </a:r>
-            <a:endParaRPr sz="3000">
-              <a:latin typeface="Arial"/>
-              <a:cs typeface="Arial"/>
-            </a:endParaRPr>
-          </a:p>
-          <a:p>
-            <a:pPr marL="12700">
-              <a:lnSpc>
-                <a:spcPct val="100000"/>
-              </a:lnSpc>
-              <a:spcBef>
-                <a:spcPts val="2010"/>
-              </a:spcBef>
-              <a:tabLst>
-                <a:tab pos="3664585" algn="l"/>
-              </a:tabLst>
-            </a:pPr>
-            <a:r>
-              <a:rPr sz="2600" spc="-60" dirty="0">
-                <a:solidFill>
-                  <a:srgbClr val="EBE6E0"/>
-                </a:solidFill>
-                <a:latin typeface="Arial"/>
-                <a:cs typeface="Arial"/>
-              </a:rPr>
-              <a:t>Ул.</a:t>
-            </a:r>
-            <a:r>
-              <a:rPr sz="2600" spc="190" dirty="0">
-                <a:solidFill>
-                  <a:srgbClr val="EBE6E0"/>
-                </a:solidFill>
-                <a:latin typeface="Arial"/>
-                <a:cs typeface="Arial"/>
-              </a:rPr>
-              <a:t> </a:t>
-            </a:r>
-            <a:r>
-              <a:rPr sz="2600" spc="-10" dirty="0">
-                <a:solidFill>
-                  <a:srgbClr val="EBE6E0"/>
-                </a:solidFill>
-                <a:latin typeface="Arial"/>
-                <a:cs typeface="Arial"/>
-              </a:rPr>
-              <a:t>Ф</a:t>
-            </a:r>
-            <a:r>
-              <a:rPr sz="2600" spc="-365" dirty="0">
-                <a:solidFill>
-                  <a:srgbClr val="EBE6E0"/>
-                </a:solidFill>
-                <a:latin typeface="Arial"/>
-                <a:cs typeface="Arial"/>
-              </a:rPr>
-              <a:t> </a:t>
-            </a:r>
-            <a:r>
-              <a:rPr sz="2600" spc="40" dirty="0">
-                <a:solidFill>
-                  <a:srgbClr val="EBE6E0"/>
-                </a:solidFill>
-                <a:latin typeface="Arial"/>
-                <a:cs typeface="Arial"/>
-              </a:rPr>
-              <a:t>ед</a:t>
-            </a:r>
-            <a:r>
-              <a:rPr sz="2600" spc="-195" dirty="0">
-                <a:solidFill>
-                  <a:srgbClr val="EBE6E0"/>
-                </a:solidFill>
-                <a:latin typeface="Arial"/>
-                <a:cs typeface="Arial"/>
-              </a:rPr>
-              <a:t> </a:t>
-            </a:r>
-            <a:r>
-              <a:rPr sz="2600" spc="-5" dirty="0">
-                <a:solidFill>
-                  <a:srgbClr val="EBE6E0"/>
-                </a:solidFill>
-                <a:latin typeface="Arial"/>
-                <a:cs typeface="Arial"/>
-              </a:rPr>
-              <a:t>е</a:t>
-            </a:r>
-            <a:r>
-              <a:rPr sz="2600" spc="-360" dirty="0">
-                <a:solidFill>
-                  <a:srgbClr val="EBE6E0"/>
-                </a:solidFill>
-                <a:latin typeface="Arial"/>
-                <a:cs typeface="Arial"/>
-              </a:rPr>
-              <a:t> </a:t>
-            </a:r>
-            <a:r>
-              <a:rPr sz="2600" spc="-5" dirty="0">
-                <a:solidFill>
-                  <a:srgbClr val="EBE6E0"/>
-                </a:solidFill>
-                <a:latin typeface="Arial"/>
-                <a:cs typeface="Arial"/>
-              </a:rPr>
-              <a:t>р</a:t>
-            </a:r>
-            <a:r>
-              <a:rPr sz="2600" spc="-340" dirty="0">
-                <a:solidFill>
-                  <a:srgbClr val="EBE6E0"/>
-                </a:solidFill>
-                <a:latin typeface="Arial"/>
-                <a:cs typeface="Arial"/>
-              </a:rPr>
-              <a:t> </a:t>
-            </a:r>
-            <a:r>
-              <a:rPr sz="2600" spc="40" dirty="0">
-                <a:solidFill>
-                  <a:srgbClr val="EBE6E0"/>
-                </a:solidFill>
-                <a:latin typeface="Arial"/>
-                <a:cs typeface="Arial"/>
-              </a:rPr>
-              <a:t>ат</a:t>
-            </a:r>
-            <a:r>
-              <a:rPr sz="2600" spc="-229" dirty="0">
-                <a:solidFill>
-                  <a:srgbClr val="EBE6E0"/>
-                </a:solidFill>
-                <a:latin typeface="Arial"/>
-                <a:cs typeface="Arial"/>
-              </a:rPr>
-              <a:t> </a:t>
-            </a:r>
-            <a:r>
-              <a:rPr sz="2600" spc="-5" dirty="0">
-                <a:solidFill>
-                  <a:srgbClr val="EBE6E0"/>
-                </a:solidFill>
-                <a:latin typeface="Arial"/>
-                <a:cs typeface="Arial"/>
-              </a:rPr>
-              <a:t>и</a:t>
-            </a:r>
-            <a:r>
-              <a:rPr sz="2600" spc="-375" dirty="0">
-                <a:solidFill>
-                  <a:srgbClr val="EBE6E0"/>
-                </a:solidFill>
-                <a:latin typeface="Arial"/>
-                <a:cs typeface="Arial"/>
-              </a:rPr>
-              <a:t> </a:t>
-            </a:r>
-            <a:r>
-              <a:rPr sz="2600" spc="-5" dirty="0">
-                <a:solidFill>
-                  <a:srgbClr val="EBE6E0"/>
-                </a:solidFill>
-                <a:latin typeface="Arial"/>
-                <a:cs typeface="Arial"/>
-              </a:rPr>
-              <a:t>в</a:t>
-            </a:r>
-            <a:r>
-              <a:rPr sz="2600" spc="-345" dirty="0">
-                <a:solidFill>
-                  <a:srgbClr val="EBE6E0"/>
-                </a:solidFill>
-                <a:latin typeface="Arial"/>
-                <a:cs typeface="Arial"/>
-              </a:rPr>
-              <a:t> </a:t>
-            </a:r>
-            <a:r>
-              <a:rPr sz="2600" spc="-5" dirty="0">
-                <a:solidFill>
-                  <a:srgbClr val="EBE6E0"/>
-                </a:solidFill>
-                <a:latin typeface="Arial"/>
-                <a:cs typeface="Arial"/>
-              </a:rPr>
-              <a:t>н</a:t>
-            </a:r>
-            <a:r>
-              <a:rPr sz="2600" spc="-355" dirty="0">
-                <a:solidFill>
-                  <a:srgbClr val="EBE6E0"/>
-                </a:solidFill>
-                <a:latin typeface="Arial"/>
-                <a:cs typeface="Arial"/>
-              </a:rPr>
-              <a:t> </a:t>
-            </a:r>
-            <a:r>
-              <a:rPr sz="2600" spc="-5" dirty="0">
-                <a:solidFill>
-                  <a:srgbClr val="EBE6E0"/>
-                </a:solidFill>
-                <a:latin typeface="Arial"/>
-                <a:cs typeface="Arial"/>
-              </a:rPr>
-              <a:t>а</a:t>
-            </a:r>
-            <a:r>
-              <a:rPr sz="2600" spc="-365" dirty="0">
-                <a:solidFill>
-                  <a:srgbClr val="EBE6E0"/>
-                </a:solidFill>
-                <a:latin typeface="Arial"/>
-                <a:cs typeface="Arial"/>
-              </a:rPr>
-              <a:t> </a:t>
-            </a:r>
-            <a:r>
-              <a:rPr sz="2600" spc="-5" dirty="0">
-                <a:solidFill>
-                  <a:srgbClr val="EBE6E0"/>
-                </a:solidFill>
-                <a:latin typeface="Arial"/>
-                <a:cs typeface="Arial"/>
-              </a:rPr>
-              <a:t>я</a:t>
-            </a:r>
-            <a:r>
-              <a:rPr sz="2600" spc="-330" dirty="0">
-                <a:solidFill>
-                  <a:srgbClr val="EBE6E0"/>
-                </a:solidFill>
-                <a:latin typeface="Arial"/>
-                <a:cs typeface="Arial"/>
-              </a:rPr>
-              <a:t> </a:t>
-            </a:r>
-            <a:r>
-              <a:rPr sz="2600" spc="-5" dirty="0">
-                <a:solidFill>
-                  <a:srgbClr val="EBE6E0"/>
-                </a:solidFill>
-                <a:latin typeface="Arial"/>
-                <a:cs typeface="Arial"/>
-              </a:rPr>
-              <a:t>,	</a:t>
-            </a:r>
-            <a:r>
-              <a:rPr sz="2600" spc="15" dirty="0">
-                <a:solidFill>
-                  <a:srgbClr val="EBE6E0"/>
-                </a:solidFill>
-                <a:latin typeface="Arial"/>
-                <a:cs typeface="Arial"/>
-              </a:rPr>
-              <a:t>д.</a:t>
-            </a:r>
-            <a:r>
-              <a:rPr sz="2600" spc="254" dirty="0">
-                <a:solidFill>
-                  <a:srgbClr val="EBE6E0"/>
-                </a:solidFill>
-                <a:latin typeface="Arial"/>
-                <a:cs typeface="Arial"/>
-              </a:rPr>
-              <a:t> </a:t>
-            </a:r>
-            <a:r>
-              <a:rPr sz="2600" spc="-25" dirty="0">
-                <a:solidFill>
-                  <a:srgbClr val="EBE6E0"/>
-                </a:solidFill>
-                <a:latin typeface="Arial"/>
-                <a:cs typeface="Arial"/>
-              </a:rPr>
-              <a:t>12,</a:t>
-            </a:r>
-            <a:r>
-              <a:rPr sz="2600" spc="-40" dirty="0">
-                <a:solidFill>
-                  <a:srgbClr val="EBE6E0"/>
-                </a:solidFill>
-                <a:latin typeface="Arial"/>
-                <a:cs typeface="Arial"/>
-              </a:rPr>
-              <a:t> </a:t>
-            </a:r>
-            <a:r>
-              <a:rPr sz="2600" spc="-204" dirty="0">
-                <a:solidFill>
-                  <a:srgbClr val="EBE6E0"/>
-                </a:solidFill>
-                <a:latin typeface="Arial"/>
-                <a:cs typeface="Arial"/>
-              </a:rPr>
-              <a:t>г.</a:t>
-            </a:r>
-            <a:r>
-              <a:rPr sz="2600" spc="254" dirty="0">
-                <a:solidFill>
-                  <a:srgbClr val="EBE6E0"/>
-                </a:solidFill>
-                <a:latin typeface="Arial"/>
-                <a:cs typeface="Arial"/>
-              </a:rPr>
-              <a:t> </a:t>
-            </a:r>
-            <a:r>
-              <a:rPr sz="2600" spc="-15" dirty="0">
-                <a:solidFill>
-                  <a:srgbClr val="EBE6E0"/>
-                </a:solidFill>
-                <a:latin typeface="Arial"/>
-                <a:cs typeface="Arial"/>
-              </a:rPr>
-              <a:t>Гр</a:t>
-            </a:r>
-            <a:r>
-              <a:rPr sz="2600" spc="-155" dirty="0">
-                <a:solidFill>
-                  <a:srgbClr val="EBE6E0"/>
-                </a:solidFill>
-                <a:latin typeface="Arial"/>
-                <a:cs typeface="Arial"/>
-              </a:rPr>
-              <a:t> </a:t>
-            </a:r>
-            <a:r>
-              <a:rPr sz="2600" spc="-5" dirty="0">
-                <a:solidFill>
-                  <a:srgbClr val="EBE6E0"/>
-                </a:solidFill>
-                <a:latin typeface="Arial"/>
-                <a:cs typeface="Arial"/>
-              </a:rPr>
-              <a:t>о</a:t>
-            </a:r>
-            <a:r>
-              <a:rPr sz="2600" spc="-325" dirty="0">
-                <a:solidFill>
-                  <a:srgbClr val="EBE6E0"/>
-                </a:solidFill>
-                <a:latin typeface="Arial"/>
-                <a:cs typeface="Arial"/>
-              </a:rPr>
-              <a:t> </a:t>
-            </a:r>
-            <a:r>
-              <a:rPr sz="2600" spc="-5" dirty="0">
-                <a:solidFill>
-                  <a:srgbClr val="EBE6E0"/>
-                </a:solidFill>
-                <a:latin typeface="Arial"/>
-                <a:cs typeface="Arial"/>
-              </a:rPr>
-              <a:t>з</a:t>
-            </a:r>
-            <a:r>
-              <a:rPr sz="2600" spc="-305" dirty="0">
-                <a:solidFill>
-                  <a:srgbClr val="EBE6E0"/>
-                </a:solidFill>
-                <a:latin typeface="Arial"/>
-                <a:cs typeface="Arial"/>
-              </a:rPr>
-              <a:t> </a:t>
-            </a:r>
-            <a:r>
-              <a:rPr sz="2600" spc="-5" dirty="0">
-                <a:solidFill>
-                  <a:srgbClr val="EBE6E0"/>
-                </a:solidFill>
-                <a:latin typeface="Arial"/>
-                <a:cs typeface="Arial"/>
-              </a:rPr>
-              <a:t>н</a:t>
-            </a:r>
-            <a:r>
-              <a:rPr sz="2600" spc="-315" dirty="0">
-                <a:solidFill>
-                  <a:srgbClr val="EBE6E0"/>
-                </a:solidFill>
-                <a:latin typeface="Arial"/>
-                <a:cs typeface="Arial"/>
-              </a:rPr>
-              <a:t> </a:t>
-            </a:r>
-            <a:r>
-              <a:rPr sz="2600" spc="-10" dirty="0">
-                <a:solidFill>
-                  <a:srgbClr val="EBE6E0"/>
-                </a:solidFill>
-                <a:latin typeface="Arial"/>
-                <a:cs typeface="Arial"/>
-              </a:rPr>
-              <a:t>ы</a:t>
-            </a:r>
-            <a:r>
-              <a:rPr sz="2600" spc="-285" dirty="0">
-                <a:solidFill>
-                  <a:srgbClr val="EBE6E0"/>
-                </a:solidFill>
-                <a:latin typeface="Arial"/>
-                <a:cs typeface="Arial"/>
-              </a:rPr>
-              <a:t> </a:t>
-            </a:r>
-            <a:r>
-              <a:rPr sz="2600" spc="-5" dirty="0">
-                <a:solidFill>
-                  <a:srgbClr val="EBE6E0"/>
-                </a:solidFill>
-                <a:latin typeface="Arial"/>
-                <a:cs typeface="Arial"/>
-              </a:rPr>
-              <a:t>й</a:t>
-            </a:r>
-            <a:r>
-              <a:rPr sz="2600" spc="-305" dirty="0">
-                <a:solidFill>
-                  <a:srgbClr val="EBE6E0"/>
-                </a:solidFill>
-                <a:latin typeface="Arial"/>
-                <a:cs typeface="Arial"/>
-              </a:rPr>
-              <a:t> </a:t>
-            </a:r>
-            <a:r>
-              <a:rPr sz="2600" spc="-5" dirty="0">
-                <a:solidFill>
-                  <a:srgbClr val="EBE6E0"/>
-                </a:solidFill>
-                <a:latin typeface="Arial"/>
-                <a:cs typeface="Arial"/>
-              </a:rPr>
-              <a:t>,</a:t>
-            </a:r>
-            <a:endParaRPr sz="2600">
-              <a:latin typeface="Arial"/>
-              <a:cs typeface="Arial"/>
-            </a:endParaRPr>
-          </a:p>
-          <a:p>
-            <a:pPr marL="1377950" algn="ctr">
-              <a:lnSpc>
-                <a:spcPct val="100000"/>
-              </a:lnSpc>
-              <a:spcBef>
-                <a:spcPts val="2290"/>
-              </a:spcBef>
-              <a:tabLst>
-                <a:tab pos="5231130" algn="l"/>
-              </a:tabLst>
-            </a:pPr>
-            <a:r>
-              <a:rPr sz="3000" dirty="0">
-                <a:solidFill>
-                  <a:srgbClr val="FF4839"/>
-                </a:solidFill>
-                <a:latin typeface="Arial"/>
-                <a:cs typeface="Arial"/>
-              </a:rPr>
-              <a:t>Э</a:t>
-            </a:r>
-            <a:r>
-              <a:rPr sz="3000" spc="-425" dirty="0">
-                <a:solidFill>
-                  <a:srgbClr val="FF4839"/>
-                </a:solidFill>
-                <a:latin typeface="Arial"/>
-                <a:cs typeface="Arial"/>
-              </a:rPr>
-              <a:t> </a:t>
-            </a:r>
-            <a:r>
-              <a:rPr sz="3000" dirty="0">
-                <a:solidFill>
-                  <a:srgbClr val="FF4839"/>
-                </a:solidFill>
-                <a:latin typeface="Arial"/>
-                <a:cs typeface="Arial"/>
-              </a:rPr>
-              <a:t>Л</a:t>
-            </a:r>
-            <a:r>
-              <a:rPr sz="3000" spc="-335" dirty="0">
-                <a:solidFill>
-                  <a:srgbClr val="FF4839"/>
-                </a:solidFill>
-                <a:latin typeface="Arial"/>
-                <a:cs typeface="Arial"/>
-              </a:rPr>
-              <a:t> </a:t>
-            </a:r>
-            <a:r>
-              <a:rPr sz="3000" dirty="0">
-                <a:solidFill>
-                  <a:srgbClr val="FF4839"/>
-                </a:solidFill>
-                <a:latin typeface="Arial"/>
-                <a:cs typeface="Arial"/>
-              </a:rPr>
-              <a:t>Е</a:t>
-            </a:r>
-            <a:r>
-              <a:rPr sz="3000" spc="-345" dirty="0">
-                <a:solidFill>
-                  <a:srgbClr val="FF4839"/>
-                </a:solidFill>
-                <a:latin typeface="Arial"/>
-                <a:cs typeface="Arial"/>
-              </a:rPr>
-              <a:t> </a:t>
-            </a:r>
-            <a:r>
-              <a:rPr sz="3000" dirty="0">
-                <a:solidFill>
-                  <a:srgbClr val="FF4839"/>
-                </a:solidFill>
-                <a:latin typeface="Arial"/>
-                <a:cs typeface="Arial"/>
-              </a:rPr>
-              <a:t>К</a:t>
-            </a:r>
-            <a:r>
-              <a:rPr sz="3000" spc="-320" dirty="0">
-                <a:solidFill>
-                  <a:srgbClr val="FF4839"/>
-                </a:solidFill>
-                <a:latin typeface="Arial"/>
-                <a:cs typeface="Arial"/>
-              </a:rPr>
-              <a:t> </a:t>
-            </a:r>
-            <a:r>
-              <a:rPr sz="3000" dirty="0">
-                <a:solidFill>
-                  <a:srgbClr val="FF4839"/>
-                </a:solidFill>
-                <a:latin typeface="Arial"/>
-                <a:cs typeface="Arial"/>
-              </a:rPr>
-              <a:t>Т</a:t>
-            </a:r>
-            <a:r>
-              <a:rPr sz="3000" spc="-320" dirty="0">
-                <a:solidFill>
-                  <a:srgbClr val="FF4839"/>
-                </a:solidFill>
-                <a:latin typeface="Arial"/>
-                <a:cs typeface="Arial"/>
-              </a:rPr>
-              <a:t> </a:t>
-            </a:r>
-            <a:r>
-              <a:rPr sz="3000" dirty="0">
-                <a:solidFill>
-                  <a:srgbClr val="FF4839"/>
-                </a:solidFill>
-                <a:latin typeface="Arial"/>
-                <a:cs typeface="Arial"/>
-              </a:rPr>
-              <a:t>Р</a:t>
-            </a:r>
-            <a:r>
-              <a:rPr sz="3000" spc="-390" dirty="0">
-                <a:solidFill>
-                  <a:srgbClr val="FF4839"/>
-                </a:solidFill>
-                <a:latin typeface="Arial"/>
-                <a:cs typeface="Arial"/>
-              </a:rPr>
-              <a:t> </a:t>
-            </a:r>
-            <a:r>
-              <a:rPr sz="3000" dirty="0">
-                <a:solidFill>
-                  <a:srgbClr val="FF4839"/>
-                </a:solidFill>
-                <a:latin typeface="Arial"/>
-                <a:cs typeface="Arial"/>
-              </a:rPr>
-              <a:t>О</a:t>
-            </a:r>
-            <a:r>
-              <a:rPr sz="3000" spc="-340" dirty="0">
-                <a:solidFill>
-                  <a:srgbClr val="FF4839"/>
-                </a:solidFill>
-                <a:latin typeface="Arial"/>
-                <a:cs typeface="Arial"/>
-              </a:rPr>
-              <a:t> </a:t>
-            </a:r>
-            <a:r>
-              <a:rPr sz="3000" dirty="0">
-                <a:solidFill>
-                  <a:srgbClr val="FF4839"/>
-                </a:solidFill>
-                <a:latin typeface="Arial"/>
-                <a:cs typeface="Arial"/>
-              </a:rPr>
-              <a:t>Н</a:t>
-            </a:r>
-            <a:r>
-              <a:rPr sz="3000" spc="-335" dirty="0">
-                <a:solidFill>
-                  <a:srgbClr val="FF4839"/>
-                </a:solidFill>
-                <a:latin typeface="Arial"/>
-                <a:cs typeface="Arial"/>
-              </a:rPr>
-              <a:t> </a:t>
-            </a:r>
-            <a:r>
-              <a:rPr sz="3000" dirty="0">
-                <a:solidFill>
-                  <a:srgbClr val="FF4839"/>
-                </a:solidFill>
-                <a:latin typeface="Arial"/>
-                <a:cs typeface="Arial"/>
-              </a:rPr>
-              <a:t>Н</a:t>
-            </a:r>
-            <a:r>
-              <a:rPr sz="3000" spc="-335" dirty="0">
-                <a:solidFill>
-                  <a:srgbClr val="FF4839"/>
-                </a:solidFill>
-                <a:latin typeface="Arial"/>
-                <a:cs typeface="Arial"/>
-              </a:rPr>
-              <a:t> </a:t>
-            </a:r>
-            <a:r>
-              <a:rPr sz="3000" dirty="0">
-                <a:solidFill>
-                  <a:srgbClr val="FF4839"/>
-                </a:solidFill>
-                <a:latin typeface="Arial"/>
-                <a:cs typeface="Arial"/>
-              </a:rPr>
-              <a:t>Ы</a:t>
-            </a:r>
-            <a:r>
-              <a:rPr sz="3000" spc="-375" dirty="0">
-                <a:solidFill>
-                  <a:srgbClr val="FF4839"/>
-                </a:solidFill>
-                <a:latin typeface="Arial"/>
-                <a:cs typeface="Arial"/>
-              </a:rPr>
-              <a:t> </a:t>
-            </a:r>
-            <a:r>
-              <a:rPr sz="3000" dirty="0">
-                <a:solidFill>
-                  <a:srgbClr val="FF4839"/>
-                </a:solidFill>
-                <a:latin typeface="Arial"/>
-                <a:cs typeface="Arial"/>
-              </a:rPr>
-              <a:t>Й	А</a:t>
-            </a:r>
-            <a:r>
-              <a:rPr sz="3000" spc="-370" dirty="0">
-                <a:solidFill>
-                  <a:srgbClr val="FF4839"/>
-                </a:solidFill>
-                <a:latin typeface="Arial"/>
-                <a:cs typeface="Arial"/>
-              </a:rPr>
-              <a:t> </a:t>
-            </a:r>
-            <a:r>
-              <a:rPr sz="3000" dirty="0">
-                <a:solidFill>
-                  <a:srgbClr val="FF4839"/>
-                </a:solidFill>
-                <a:latin typeface="Arial"/>
-                <a:cs typeface="Arial"/>
-              </a:rPr>
-              <a:t>Д</a:t>
-            </a:r>
-            <a:r>
-              <a:rPr sz="3000" spc="-465" dirty="0">
-                <a:solidFill>
-                  <a:srgbClr val="FF4839"/>
-                </a:solidFill>
-                <a:latin typeface="Arial"/>
-                <a:cs typeface="Arial"/>
-              </a:rPr>
-              <a:t> </a:t>
-            </a:r>
-            <a:r>
-              <a:rPr sz="3000" dirty="0">
-                <a:solidFill>
-                  <a:srgbClr val="FF4839"/>
-                </a:solidFill>
-                <a:latin typeface="Arial"/>
-                <a:cs typeface="Arial"/>
-              </a:rPr>
-              <a:t>Р</a:t>
-            </a:r>
-            <a:r>
-              <a:rPr sz="3000" spc="-480" dirty="0">
-                <a:solidFill>
-                  <a:srgbClr val="FF4839"/>
-                </a:solidFill>
-                <a:latin typeface="Arial"/>
-                <a:cs typeface="Arial"/>
-              </a:rPr>
-              <a:t> </a:t>
-            </a:r>
-            <a:r>
-              <a:rPr sz="3000" dirty="0">
-                <a:solidFill>
-                  <a:srgbClr val="FF4839"/>
-                </a:solidFill>
-                <a:latin typeface="Arial"/>
-                <a:cs typeface="Arial"/>
-              </a:rPr>
-              <a:t>Е</a:t>
-            </a:r>
-            <a:r>
-              <a:rPr sz="3000" spc="-459" dirty="0">
-                <a:solidFill>
-                  <a:srgbClr val="FF4839"/>
-                </a:solidFill>
-                <a:latin typeface="Arial"/>
-                <a:cs typeface="Arial"/>
-              </a:rPr>
-              <a:t> </a:t>
-            </a:r>
-            <a:r>
-              <a:rPr sz="3000" dirty="0">
-                <a:solidFill>
-                  <a:srgbClr val="FF4839"/>
-                </a:solidFill>
-                <a:latin typeface="Arial"/>
-                <a:cs typeface="Arial"/>
-              </a:rPr>
-              <a:t>С</a:t>
-            </a:r>
-            <a:endParaRPr sz="3000">
-              <a:latin typeface="Arial"/>
-              <a:cs typeface="Arial"/>
-            </a:endParaRPr>
-          </a:p>
-          <a:p>
-            <a:pPr marL="1383030" algn="ctr">
-              <a:lnSpc>
-                <a:spcPct val="100000"/>
-              </a:lnSpc>
-              <a:spcBef>
-                <a:spcPts val="2010"/>
-              </a:spcBef>
-            </a:pPr>
-            <a:r>
-              <a:rPr sz="2600" spc="-5" dirty="0">
-                <a:solidFill>
-                  <a:srgbClr val="EBE6E0"/>
-                </a:solidFill>
-                <a:latin typeface="Arial"/>
-                <a:cs typeface="Arial"/>
-              </a:rPr>
-              <a:t>e</a:t>
-            </a:r>
-            <a:r>
-              <a:rPr sz="2600" spc="-370" dirty="0">
-                <a:solidFill>
-                  <a:srgbClr val="EBE6E0"/>
-                </a:solidFill>
-                <a:latin typeface="Arial"/>
-                <a:cs typeface="Arial"/>
-              </a:rPr>
-              <a:t> </a:t>
-            </a:r>
-            <a:r>
-              <a:rPr sz="2600" spc="-5" dirty="0">
-                <a:solidFill>
-                  <a:srgbClr val="EBE6E0"/>
-                </a:solidFill>
-                <a:latin typeface="Arial"/>
-                <a:cs typeface="Arial"/>
-              </a:rPr>
-              <a:t>x</a:t>
-            </a:r>
-            <a:r>
-              <a:rPr sz="2600" spc="-365" dirty="0">
-                <a:solidFill>
-                  <a:srgbClr val="EBE6E0"/>
-                </a:solidFill>
-                <a:latin typeface="Arial"/>
-                <a:cs typeface="Arial"/>
-              </a:rPr>
-              <a:t> </a:t>
-            </a:r>
-            <a:r>
-              <a:rPr sz="2600" spc="-5" dirty="0">
-                <a:solidFill>
-                  <a:srgbClr val="EBE6E0"/>
-                </a:solidFill>
-                <a:latin typeface="Arial"/>
-                <a:cs typeface="Arial"/>
-              </a:rPr>
-              <a:t>a</a:t>
-            </a:r>
-            <a:r>
-              <a:rPr sz="2600" spc="-370" dirty="0">
-                <a:solidFill>
-                  <a:srgbClr val="EBE6E0"/>
-                </a:solidFill>
-                <a:latin typeface="Arial"/>
-                <a:cs typeface="Arial"/>
-              </a:rPr>
-              <a:t> </a:t>
-            </a:r>
-            <a:r>
-              <a:rPr sz="2600" spc="-10" dirty="0">
-                <a:solidFill>
-                  <a:srgbClr val="EBE6E0"/>
-                </a:solidFill>
-                <a:latin typeface="Arial"/>
-                <a:cs typeface="Arial"/>
-              </a:rPr>
-              <a:t>m</a:t>
-            </a:r>
-            <a:r>
-              <a:rPr sz="2600" spc="-390" dirty="0">
-                <a:solidFill>
-                  <a:srgbClr val="EBE6E0"/>
-                </a:solidFill>
-                <a:latin typeface="Arial"/>
-                <a:cs typeface="Arial"/>
-              </a:rPr>
-              <a:t> </a:t>
-            </a:r>
-            <a:r>
-              <a:rPr sz="2600" spc="-5" dirty="0">
-                <a:solidFill>
-                  <a:srgbClr val="EBE6E0"/>
-                </a:solidFill>
-                <a:latin typeface="Arial"/>
-                <a:cs typeface="Arial"/>
-              </a:rPr>
-              <a:t>p</a:t>
-            </a:r>
-            <a:r>
-              <a:rPr sz="2600" spc="-365" dirty="0">
-                <a:solidFill>
-                  <a:srgbClr val="EBE6E0"/>
-                </a:solidFill>
-                <a:latin typeface="Arial"/>
-                <a:cs typeface="Arial"/>
-              </a:rPr>
-              <a:t> </a:t>
-            </a:r>
-            <a:r>
-              <a:rPr sz="2600" spc="-5" dirty="0">
-                <a:solidFill>
-                  <a:srgbClr val="EBE6E0"/>
-                </a:solidFill>
-                <a:latin typeface="Arial"/>
-                <a:cs typeface="Arial"/>
-              </a:rPr>
-              <a:t>l</a:t>
-            </a:r>
-            <a:r>
-              <a:rPr sz="2600" spc="-395" dirty="0">
-                <a:solidFill>
-                  <a:srgbClr val="EBE6E0"/>
-                </a:solidFill>
-                <a:latin typeface="Arial"/>
-                <a:cs typeface="Arial"/>
-              </a:rPr>
-              <a:t> </a:t>
-            </a:r>
-            <a:r>
-              <a:rPr sz="2600" spc="-5" dirty="0">
-                <a:solidFill>
-                  <a:srgbClr val="EBE6E0"/>
-                </a:solidFill>
-                <a:latin typeface="Arial"/>
-                <a:cs typeface="Arial"/>
-              </a:rPr>
-              <a:t>e</a:t>
-            </a:r>
-            <a:r>
-              <a:rPr sz="2600" spc="-365" dirty="0">
-                <a:solidFill>
-                  <a:srgbClr val="EBE6E0"/>
-                </a:solidFill>
-                <a:latin typeface="Arial"/>
-                <a:cs typeface="Arial"/>
-              </a:rPr>
-              <a:t> </a:t>
-            </a:r>
-            <a:r>
-              <a:rPr sz="2600" spc="-10" dirty="0">
-                <a:solidFill>
-                  <a:srgbClr val="EBE6E0"/>
-                </a:solidFill>
-                <a:latin typeface="Arial"/>
-                <a:cs typeface="Arial"/>
-              </a:rPr>
-              <a:t>@</a:t>
-            </a:r>
-            <a:r>
-              <a:rPr sz="2600" spc="-380" dirty="0">
-                <a:solidFill>
-                  <a:srgbClr val="EBE6E0"/>
-                </a:solidFill>
-                <a:latin typeface="Arial"/>
-                <a:cs typeface="Arial"/>
-              </a:rPr>
-              <a:t> </a:t>
-            </a:r>
-            <a:r>
-              <a:rPr sz="2600" spc="-10" dirty="0">
-                <a:solidFill>
-                  <a:srgbClr val="EBE6E0"/>
-                </a:solidFill>
-                <a:latin typeface="Arial"/>
-                <a:cs typeface="Arial"/>
-              </a:rPr>
-              <a:t>m</a:t>
-            </a:r>
-            <a:r>
-              <a:rPr sz="2600" spc="-390" dirty="0">
-                <a:solidFill>
-                  <a:srgbClr val="EBE6E0"/>
-                </a:solidFill>
-                <a:latin typeface="Arial"/>
-                <a:cs typeface="Arial"/>
-              </a:rPr>
-              <a:t> </a:t>
-            </a:r>
-            <a:r>
-              <a:rPr sz="2600" spc="-5" dirty="0">
-                <a:solidFill>
-                  <a:srgbClr val="EBE6E0"/>
-                </a:solidFill>
-                <a:latin typeface="Arial"/>
-                <a:cs typeface="Arial"/>
-              </a:rPr>
-              <a:t>a</a:t>
-            </a:r>
-            <a:r>
-              <a:rPr sz="2600" spc="-390" dirty="0">
-                <a:solidFill>
-                  <a:srgbClr val="EBE6E0"/>
-                </a:solidFill>
-                <a:latin typeface="Arial"/>
-                <a:cs typeface="Arial"/>
-              </a:rPr>
-              <a:t> </a:t>
-            </a:r>
-            <a:r>
-              <a:rPr sz="2600" spc="-5" dirty="0">
-                <a:solidFill>
-                  <a:srgbClr val="EBE6E0"/>
-                </a:solidFill>
-                <a:latin typeface="Arial"/>
-                <a:cs typeface="Arial"/>
-              </a:rPr>
-              <a:t>i</a:t>
-            </a:r>
-            <a:r>
-              <a:rPr sz="2600" spc="-370" dirty="0">
-                <a:solidFill>
-                  <a:srgbClr val="EBE6E0"/>
-                </a:solidFill>
-                <a:latin typeface="Arial"/>
-                <a:cs typeface="Arial"/>
-              </a:rPr>
-              <a:t> </a:t>
-            </a:r>
-            <a:r>
-              <a:rPr sz="2600" spc="-5" dirty="0">
-                <a:solidFill>
-                  <a:srgbClr val="EBE6E0"/>
-                </a:solidFill>
-                <a:latin typeface="Arial"/>
-                <a:cs typeface="Arial"/>
-              </a:rPr>
-              <a:t>l</a:t>
-            </a:r>
-            <a:r>
-              <a:rPr sz="2600" spc="-409" dirty="0">
-                <a:solidFill>
-                  <a:srgbClr val="EBE6E0"/>
-                </a:solidFill>
-                <a:latin typeface="Arial"/>
-                <a:cs typeface="Arial"/>
-              </a:rPr>
-              <a:t> </a:t>
-            </a:r>
-            <a:r>
-              <a:rPr sz="2600" spc="-5" dirty="0">
-                <a:solidFill>
-                  <a:srgbClr val="EBE6E0"/>
-                </a:solidFill>
-                <a:latin typeface="Arial"/>
-                <a:cs typeface="Arial"/>
-              </a:rPr>
-              <a:t>.</a:t>
-            </a:r>
-            <a:r>
-              <a:rPr sz="2600" spc="-370" dirty="0">
-                <a:solidFill>
-                  <a:srgbClr val="EBE6E0"/>
-                </a:solidFill>
-                <a:latin typeface="Arial"/>
-                <a:cs typeface="Arial"/>
-              </a:rPr>
-              <a:t> </a:t>
-            </a:r>
-            <a:r>
-              <a:rPr sz="2600" spc="-5" dirty="0">
-                <a:solidFill>
-                  <a:srgbClr val="EBE6E0"/>
-                </a:solidFill>
-                <a:latin typeface="Arial"/>
-                <a:cs typeface="Arial"/>
-              </a:rPr>
-              <a:t>r</a:t>
-            </a:r>
-            <a:r>
-              <a:rPr sz="2600" spc="-390" dirty="0">
-                <a:solidFill>
-                  <a:srgbClr val="EBE6E0"/>
-                </a:solidFill>
-                <a:latin typeface="Arial"/>
-                <a:cs typeface="Arial"/>
-              </a:rPr>
-              <a:t> </a:t>
-            </a:r>
-            <a:r>
-              <a:rPr sz="2600" spc="-5" dirty="0">
-                <a:solidFill>
-                  <a:srgbClr val="EBE6E0"/>
-                </a:solidFill>
-                <a:latin typeface="Arial"/>
-                <a:cs typeface="Arial"/>
-              </a:rPr>
-              <a:t>u</a:t>
-            </a:r>
-            <a:endParaRPr sz="2600">
-              <a:latin typeface="Arial"/>
-              <a:cs typeface="Arial"/>
-            </a:endParaRPr>
-          </a:p>
-          <a:p>
-            <a:pPr>
-              <a:lnSpc>
-                <a:spcPct val="100000"/>
-              </a:lnSpc>
-              <a:spcBef>
-                <a:spcPts val="10"/>
-              </a:spcBef>
-            </a:pPr>
-            <a:endParaRPr sz="3900">
-              <a:latin typeface="Arial"/>
-              <a:cs typeface="Arial"/>
-            </a:endParaRPr>
-          </a:p>
-          <a:p>
-            <a:pPr marL="1368425" algn="ctr">
-              <a:lnSpc>
-                <a:spcPct val="100000"/>
-              </a:lnSpc>
-              <a:spcBef>
-                <a:spcPts val="5"/>
-              </a:spcBef>
-              <a:tabLst>
-                <a:tab pos="3286125" algn="l"/>
-              </a:tabLst>
-            </a:pPr>
-            <a:r>
-              <a:rPr sz="3000" dirty="0">
-                <a:solidFill>
-                  <a:srgbClr val="FF4839"/>
-                </a:solidFill>
-                <a:latin typeface="Arial"/>
-                <a:cs typeface="Arial"/>
-              </a:rPr>
-              <a:t>Н</a:t>
-            </a:r>
-            <a:r>
-              <a:rPr sz="3000" spc="-340" dirty="0">
-                <a:solidFill>
-                  <a:srgbClr val="FF4839"/>
-                </a:solidFill>
-                <a:latin typeface="Arial"/>
-                <a:cs typeface="Arial"/>
-              </a:rPr>
-              <a:t> </a:t>
-            </a:r>
-            <a:r>
-              <a:rPr sz="3000" dirty="0">
-                <a:solidFill>
-                  <a:srgbClr val="FF4839"/>
-                </a:solidFill>
-                <a:latin typeface="Arial"/>
-                <a:cs typeface="Arial"/>
-              </a:rPr>
-              <a:t>О</a:t>
-            </a:r>
-            <a:r>
-              <a:rPr sz="3000" spc="-335" dirty="0">
-                <a:solidFill>
-                  <a:srgbClr val="FF4839"/>
-                </a:solidFill>
-                <a:latin typeface="Arial"/>
-                <a:cs typeface="Arial"/>
-              </a:rPr>
-              <a:t> </a:t>
-            </a:r>
-            <a:r>
-              <a:rPr sz="3000" dirty="0">
-                <a:solidFill>
-                  <a:srgbClr val="FF4839"/>
-                </a:solidFill>
-                <a:latin typeface="Arial"/>
-                <a:cs typeface="Arial"/>
-              </a:rPr>
-              <a:t>М</a:t>
-            </a:r>
-            <a:r>
-              <a:rPr sz="3000" spc="-360" dirty="0">
-                <a:solidFill>
-                  <a:srgbClr val="FF4839"/>
-                </a:solidFill>
-                <a:latin typeface="Arial"/>
-                <a:cs typeface="Arial"/>
-              </a:rPr>
-              <a:t> </a:t>
-            </a:r>
-            <a:r>
-              <a:rPr sz="3000" dirty="0">
-                <a:solidFill>
-                  <a:srgbClr val="FF4839"/>
-                </a:solidFill>
-                <a:latin typeface="Arial"/>
-                <a:cs typeface="Arial"/>
-              </a:rPr>
-              <a:t>Е</a:t>
-            </a:r>
-            <a:r>
-              <a:rPr sz="3000" spc="-340" dirty="0">
-                <a:solidFill>
-                  <a:srgbClr val="FF4839"/>
-                </a:solidFill>
-                <a:latin typeface="Arial"/>
-                <a:cs typeface="Arial"/>
-              </a:rPr>
-              <a:t> </a:t>
-            </a:r>
-            <a:r>
-              <a:rPr sz="3000" dirty="0">
-                <a:solidFill>
-                  <a:srgbClr val="FF4839"/>
-                </a:solidFill>
-                <a:latin typeface="Arial"/>
-                <a:cs typeface="Arial"/>
-              </a:rPr>
-              <a:t>Р	Т</a:t>
-            </a:r>
-            <a:r>
-              <a:rPr sz="3000" spc="-325" dirty="0">
-                <a:solidFill>
-                  <a:srgbClr val="FF4839"/>
-                </a:solidFill>
-                <a:latin typeface="Arial"/>
-                <a:cs typeface="Arial"/>
-              </a:rPr>
-              <a:t> </a:t>
-            </a:r>
-            <a:r>
-              <a:rPr sz="3000" dirty="0">
-                <a:solidFill>
-                  <a:srgbClr val="FF4839"/>
-                </a:solidFill>
-                <a:latin typeface="Arial"/>
-                <a:cs typeface="Arial"/>
-              </a:rPr>
-              <a:t>Е</a:t>
-            </a:r>
-            <a:r>
-              <a:rPr sz="3000" spc="-345" dirty="0">
-                <a:solidFill>
-                  <a:srgbClr val="FF4839"/>
-                </a:solidFill>
-                <a:latin typeface="Arial"/>
-                <a:cs typeface="Arial"/>
-              </a:rPr>
-              <a:t> </a:t>
-            </a:r>
-            <a:r>
-              <a:rPr sz="3000" dirty="0">
-                <a:solidFill>
-                  <a:srgbClr val="FF4839"/>
-                </a:solidFill>
-                <a:latin typeface="Arial"/>
-                <a:cs typeface="Arial"/>
-              </a:rPr>
-              <a:t>Л</a:t>
-            </a:r>
-            <a:r>
-              <a:rPr sz="3000" spc="-345" dirty="0">
-                <a:solidFill>
-                  <a:srgbClr val="FF4839"/>
-                </a:solidFill>
-                <a:latin typeface="Arial"/>
-                <a:cs typeface="Arial"/>
-              </a:rPr>
-              <a:t> </a:t>
-            </a:r>
-            <a:r>
-              <a:rPr sz="3000" dirty="0">
-                <a:solidFill>
-                  <a:srgbClr val="FF4839"/>
-                </a:solidFill>
-                <a:latin typeface="Arial"/>
-                <a:cs typeface="Arial"/>
-              </a:rPr>
-              <a:t>Е</a:t>
-            </a:r>
-            <a:r>
-              <a:rPr sz="3000" spc="-345" dirty="0">
-                <a:solidFill>
-                  <a:srgbClr val="FF4839"/>
-                </a:solidFill>
-                <a:latin typeface="Arial"/>
-                <a:cs typeface="Arial"/>
-              </a:rPr>
-              <a:t> </a:t>
-            </a:r>
-            <a:r>
-              <a:rPr sz="3000" dirty="0">
-                <a:solidFill>
-                  <a:srgbClr val="FF4839"/>
-                </a:solidFill>
-                <a:latin typeface="Arial"/>
-                <a:cs typeface="Arial"/>
-              </a:rPr>
-              <a:t>Ф</a:t>
-            </a:r>
-            <a:r>
-              <a:rPr sz="3000" spc="-340" dirty="0">
-                <a:solidFill>
-                  <a:srgbClr val="FF4839"/>
-                </a:solidFill>
-                <a:latin typeface="Arial"/>
-                <a:cs typeface="Arial"/>
-              </a:rPr>
-              <a:t> </a:t>
-            </a:r>
-            <a:r>
-              <a:rPr sz="3000" dirty="0">
-                <a:solidFill>
-                  <a:srgbClr val="FF4839"/>
-                </a:solidFill>
-                <a:latin typeface="Arial"/>
-                <a:cs typeface="Arial"/>
-              </a:rPr>
-              <a:t>О</a:t>
-            </a:r>
-            <a:r>
-              <a:rPr sz="3000" spc="-325" dirty="0">
-                <a:solidFill>
-                  <a:srgbClr val="FF4839"/>
-                </a:solidFill>
-                <a:latin typeface="Arial"/>
-                <a:cs typeface="Arial"/>
-              </a:rPr>
-              <a:t> </a:t>
-            </a:r>
-            <a:r>
-              <a:rPr sz="3000" dirty="0">
-                <a:solidFill>
-                  <a:srgbClr val="FF4839"/>
-                </a:solidFill>
-                <a:latin typeface="Arial"/>
-                <a:cs typeface="Arial"/>
-              </a:rPr>
-              <a:t>Н</a:t>
-            </a:r>
-            <a:r>
-              <a:rPr sz="3000" spc="-345" dirty="0">
-                <a:solidFill>
-                  <a:srgbClr val="FF4839"/>
-                </a:solidFill>
-                <a:latin typeface="Arial"/>
-                <a:cs typeface="Arial"/>
-              </a:rPr>
-              <a:t> </a:t>
-            </a:r>
-            <a:r>
-              <a:rPr sz="3000" dirty="0">
-                <a:solidFill>
-                  <a:srgbClr val="FF4839"/>
-                </a:solidFill>
-                <a:latin typeface="Arial"/>
-                <a:cs typeface="Arial"/>
-              </a:rPr>
-              <a:t>А</a:t>
-            </a:r>
-            <a:endParaRPr sz="3000">
-              <a:latin typeface="Arial"/>
-              <a:cs typeface="Arial"/>
-            </a:endParaRPr>
-          </a:p>
-          <a:p>
-            <a:pPr marL="1395095" algn="ctr">
-              <a:lnSpc>
-                <a:spcPct val="100000"/>
-              </a:lnSpc>
-              <a:spcBef>
-                <a:spcPts val="2010"/>
-              </a:spcBef>
-              <a:tabLst>
-                <a:tab pos="1986280" algn="l"/>
-              </a:tabLst>
-            </a:pPr>
-            <a:r>
-              <a:rPr sz="2600" spc="5" dirty="0">
-                <a:solidFill>
-                  <a:srgbClr val="EBE6E0"/>
-                </a:solidFill>
-                <a:latin typeface="Arial"/>
-                <a:cs typeface="Arial"/>
-              </a:rPr>
-              <a:t>+7	</a:t>
-            </a:r>
-            <a:r>
-              <a:rPr sz="2600" spc="-45" dirty="0">
-                <a:solidFill>
-                  <a:srgbClr val="EBE6E0"/>
-                </a:solidFill>
-                <a:latin typeface="Arial"/>
-                <a:cs typeface="Arial"/>
-              </a:rPr>
-              <a:t>(123)</a:t>
-            </a:r>
-            <a:r>
-              <a:rPr sz="2600" spc="-200" dirty="0">
-                <a:solidFill>
-                  <a:srgbClr val="EBE6E0"/>
-                </a:solidFill>
-                <a:latin typeface="Arial"/>
-                <a:cs typeface="Arial"/>
-              </a:rPr>
-              <a:t> </a:t>
-            </a:r>
-            <a:r>
-              <a:rPr sz="2600" spc="105" dirty="0">
-                <a:solidFill>
-                  <a:srgbClr val="EBE6E0"/>
-                </a:solidFill>
-                <a:latin typeface="Arial"/>
-                <a:cs typeface="Arial"/>
-              </a:rPr>
-              <a:t>000</a:t>
-            </a:r>
-            <a:r>
-              <a:rPr sz="2600" spc="-270" dirty="0">
-                <a:solidFill>
-                  <a:srgbClr val="EBE6E0"/>
-                </a:solidFill>
-                <a:latin typeface="Arial"/>
-                <a:cs typeface="Arial"/>
-              </a:rPr>
-              <a:t> </a:t>
-            </a:r>
-            <a:r>
-              <a:rPr sz="2600" spc="-5" dirty="0">
-                <a:solidFill>
-                  <a:srgbClr val="EBE6E0"/>
-                </a:solidFill>
-                <a:latin typeface="Arial"/>
-                <a:cs typeface="Arial"/>
-              </a:rPr>
-              <a:t>-</a:t>
-            </a:r>
-            <a:r>
-              <a:rPr sz="2600" spc="-459" dirty="0">
-                <a:solidFill>
-                  <a:srgbClr val="EBE6E0"/>
-                </a:solidFill>
-                <a:latin typeface="Arial"/>
-                <a:cs typeface="Arial"/>
-              </a:rPr>
-              <a:t> </a:t>
-            </a:r>
-            <a:r>
-              <a:rPr sz="2600" spc="50" dirty="0">
-                <a:solidFill>
-                  <a:srgbClr val="EBE6E0"/>
-                </a:solidFill>
-                <a:latin typeface="Arial"/>
-                <a:cs typeface="Arial"/>
-              </a:rPr>
-              <a:t>00</a:t>
-            </a:r>
-            <a:r>
-              <a:rPr sz="2600" spc="-325" dirty="0">
-                <a:solidFill>
-                  <a:srgbClr val="EBE6E0"/>
-                </a:solidFill>
-                <a:latin typeface="Arial"/>
-                <a:cs typeface="Arial"/>
-              </a:rPr>
-              <a:t> </a:t>
-            </a:r>
-            <a:r>
-              <a:rPr sz="2600" spc="-5" dirty="0">
-                <a:solidFill>
-                  <a:srgbClr val="EBE6E0"/>
-                </a:solidFill>
-                <a:latin typeface="Arial"/>
-                <a:cs typeface="Arial"/>
-              </a:rPr>
-              <a:t>-</a:t>
-            </a:r>
-            <a:r>
-              <a:rPr sz="2600" spc="-484" dirty="0">
-                <a:solidFill>
-                  <a:srgbClr val="EBE6E0"/>
-                </a:solidFill>
-                <a:latin typeface="Arial"/>
-                <a:cs typeface="Arial"/>
-              </a:rPr>
-              <a:t> </a:t>
-            </a:r>
-            <a:r>
-              <a:rPr sz="2600" spc="110" dirty="0">
-                <a:solidFill>
-                  <a:srgbClr val="EBE6E0"/>
-                </a:solidFill>
-                <a:latin typeface="Arial"/>
-                <a:cs typeface="Arial"/>
-              </a:rPr>
-              <a:t>00</a:t>
-            </a:r>
-            <a:endParaRPr sz="2600">
-              <a:latin typeface="Arial"/>
-              <a:cs typeface="Arial"/>
-            </a:endParaRPr>
-          </a:p>
-        </p:txBody>
-      </p:sp>
-    </p:spTree>
-  </p:cSld>
-  <p:clrMapOvr>
-    <a:masterClrMapping/>
-  </p:clrMapOvr>
-  <p:timing>
-    <p:tnLst>
-      <p:par>
-        <p:cTn id="1" dur="indefinite" restart="never" nodeType="tmRoot"/>
-      </p:par>
-    </p:tnLst>
-  </p:timing>
 </p:sld>
 </file>
 
